--- a/GIT_I.pptx
+++ b/GIT_I.pptx
@@ -246,7 +246,7 @@
           <a:p>
             <a:fld id="{7B7810A5-1A13-4087-8DFA-155E6E5B5D73}" type="datetimeFigureOut">
               <a:rPr lang="tr-TR" smtClean="0"/>
-              <a:t>6.11.2018</a:t>
+              <a:t>7.11.2018</a:t>
             </a:fld>
             <a:endParaRPr lang="tr-TR"/>
           </a:p>
@@ -416,7 +416,7 @@
           <a:p>
             <a:fld id="{7B7810A5-1A13-4087-8DFA-155E6E5B5D73}" type="datetimeFigureOut">
               <a:rPr lang="tr-TR" smtClean="0"/>
-              <a:t>6.11.2018</a:t>
+              <a:t>7.11.2018</a:t>
             </a:fld>
             <a:endParaRPr lang="tr-TR"/>
           </a:p>
@@ -596,7 +596,7 @@
           <a:p>
             <a:fld id="{7B7810A5-1A13-4087-8DFA-155E6E5B5D73}" type="datetimeFigureOut">
               <a:rPr lang="tr-TR" smtClean="0"/>
-              <a:t>6.11.2018</a:t>
+              <a:t>7.11.2018</a:t>
             </a:fld>
             <a:endParaRPr lang="tr-TR"/>
           </a:p>
@@ -766,7 +766,7 @@
           <a:p>
             <a:fld id="{7B7810A5-1A13-4087-8DFA-155E6E5B5D73}" type="datetimeFigureOut">
               <a:rPr lang="tr-TR" smtClean="0"/>
-              <a:t>6.11.2018</a:t>
+              <a:t>7.11.2018</a:t>
             </a:fld>
             <a:endParaRPr lang="tr-TR"/>
           </a:p>
@@ -1012,7 +1012,7 @@
           <a:p>
             <a:fld id="{7B7810A5-1A13-4087-8DFA-155E6E5B5D73}" type="datetimeFigureOut">
               <a:rPr lang="tr-TR" smtClean="0"/>
-              <a:t>6.11.2018</a:t>
+              <a:t>7.11.2018</a:t>
             </a:fld>
             <a:endParaRPr lang="tr-TR"/>
           </a:p>
@@ -1244,7 +1244,7 @@
           <a:p>
             <a:fld id="{7B7810A5-1A13-4087-8DFA-155E6E5B5D73}" type="datetimeFigureOut">
               <a:rPr lang="tr-TR" smtClean="0"/>
-              <a:t>6.11.2018</a:t>
+              <a:t>7.11.2018</a:t>
             </a:fld>
             <a:endParaRPr lang="tr-TR"/>
           </a:p>
@@ -1611,7 +1611,7 @@
           <a:p>
             <a:fld id="{7B7810A5-1A13-4087-8DFA-155E6E5B5D73}" type="datetimeFigureOut">
               <a:rPr lang="tr-TR" smtClean="0"/>
-              <a:t>6.11.2018</a:t>
+              <a:t>7.11.2018</a:t>
             </a:fld>
             <a:endParaRPr lang="tr-TR"/>
           </a:p>
@@ -1729,7 +1729,7 @@
           <a:p>
             <a:fld id="{7B7810A5-1A13-4087-8DFA-155E6E5B5D73}" type="datetimeFigureOut">
               <a:rPr lang="tr-TR" smtClean="0"/>
-              <a:t>6.11.2018</a:t>
+              <a:t>7.11.2018</a:t>
             </a:fld>
             <a:endParaRPr lang="tr-TR"/>
           </a:p>
@@ -1824,7 +1824,7 @@
           <a:p>
             <a:fld id="{7B7810A5-1A13-4087-8DFA-155E6E5B5D73}" type="datetimeFigureOut">
               <a:rPr lang="tr-TR" smtClean="0"/>
-              <a:t>6.11.2018</a:t>
+              <a:t>7.11.2018</a:t>
             </a:fld>
             <a:endParaRPr lang="tr-TR"/>
           </a:p>
@@ -2101,7 +2101,7 @@
           <a:p>
             <a:fld id="{7B7810A5-1A13-4087-8DFA-155E6E5B5D73}" type="datetimeFigureOut">
               <a:rPr lang="tr-TR" smtClean="0"/>
-              <a:t>6.11.2018</a:t>
+              <a:t>7.11.2018</a:t>
             </a:fld>
             <a:endParaRPr lang="tr-TR"/>
           </a:p>
@@ -2358,7 +2358,7 @@
           <a:p>
             <a:fld id="{7B7810A5-1A13-4087-8DFA-155E6E5B5D73}" type="datetimeFigureOut">
               <a:rPr lang="tr-TR" smtClean="0"/>
-              <a:t>6.11.2018</a:t>
+              <a:t>7.11.2018</a:t>
             </a:fld>
             <a:endParaRPr lang="tr-TR"/>
           </a:p>
@@ -2571,7 +2571,7 @@
           <a:p>
             <a:fld id="{7B7810A5-1A13-4087-8DFA-155E6E5B5D73}" type="datetimeFigureOut">
               <a:rPr lang="tr-TR" smtClean="0"/>
-              <a:t>6.11.2018</a:t>
+              <a:t>7.11.2018</a:t>
             </a:fld>
             <a:endParaRPr lang="tr-TR"/>
           </a:p>
@@ -3081,6 +3081,19 @@
               </a:rPr>
               <a:t> 김도</a:t>
             </a:r>
+            <a:r>
+              <a:rPr lang="ko-KR" altLang="en-US" dirty="0">
+                <a:latin typeface="맑은 고딕"/>
+                <a:ea typeface="맑은 고딕"/>
+                <a:cs typeface="Calibri"/>
+              </a:rPr>
+              <a:t>현</a:t>
+            </a:r>
+            <a:endParaRPr lang="ko-KR" altLang="tr-TR" dirty="0">
+              <a:latin typeface="맑은 고딕"/>
+              <a:ea typeface="맑은 고딕"/>
+              <a:cs typeface="Calibri"/>
+            </a:endParaRPr>
           </a:p>
           <a:p>
             <a:r>
